--- a/ppt 16-9/0993.主是我避难所.pptx
+++ b/ppt 16-9/0993.主是我避难所.pptx
@@ -5,7 +5,7 @@
     <p:sldMasterId id="2147483648" r:id="rId1"/>
   </p:sldMasterIdLst>
   <p:sldIdLst>
-    <p:sldId id="400" r:id="rId2"/>
+    <p:sldId id="401" r:id="rId2"/>
   </p:sldIdLst>
   <p:sldSz cx="12192000" cy="6858000"/>
   <p:notesSz cx="6858000" cy="9144000"/>
@@ -129,7 +129,7 @@
           <p:cNvPr id="2" name="标题 1">
             <a:extLst>
               <a:ext uri="{FF2B5EF4-FFF2-40B4-BE49-F238E27FC236}">
-                <a16:creationId xmlns:a16="http://schemas.microsoft.com/office/drawing/2014/main" id="{E542871A-B88A-CE7E-593E-121C3DE86F6D}"/>
+                <a16:creationId xmlns:a16="http://schemas.microsoft.com/office/drawing/2014/main" id="{77274017-3727-E8F6-DB11-D3BF6D723710}"/>
               </a:ext>
             </a:extLst>
           </p:cNvPr>
@@ -166,7 +166,7 @@
           <p:cNvPr id="3" name="副标题 2">
             <a:extLst>
               <a:ext uri="{FF2B5EF4-FFF2-40B4-BE49-F238E27FC236}">
-                <a16:creationId xmlns:a16="http://schemas.microsoft.com/office/drawing/2014/main" id="{9F328BA0-524F-66D5-1E75-FF1DA16FC438}"/>
+                <a16:creationId xmlns:a16="http://schemas.microsoft.com/office/drawing/2014/main" id="{7A080CF3-05F3-7C2D-9B70-6C139F9CD128}"/>
               </a:ext>
             </a:extLst>
           </p:cNvPr>
@@ -236,7 +236,7 @@
           <p:cNvPr id="4" name="日期占位符 3">
             <a:extLst>
               <a:ext uri="{FF2B5EF4-FFF2-40B4-BE49-F238E27FC236}">
-                <a16:creationId xmlns:a16="http://schemas.microsoft.com/office/drawing/2014/main" id="{EF123806-C755-2256-490A-77F182E62F19}"/>
+                <a16:creationId xmlns:a16="http://schemas.microsoft.com/office/drawing/2014/main" id="{34DFA2CD-ACD1-3445-E307-4666F411F895}"/>
               </a:ext>
             </a:extLst>
           </p:cNvPr>
@@ -252,7 +252,7 @@
           <a:bodyPr/>
           <a:lstStyle/>
           <a:p>
-            <a:fld id="{2F4E9A6A-FF12-4BE1-ABCD-0A576B499661}" type="datetimeFigureOut">
+            <a:fld id="{B0D3FB19-8BFC-416A-9D95-5BF27EC0340C}" type="datetimeFigureOut">
               <a:rPr lang="zh-CN" altLang="en-US" smtClean="0"/>
               <a:t>2024/3/10</a:t>
             </a:fld>
@@ -265,7 +265,7 @@
           <p:cNvPr id="5" name="页脚占位符 4">
             <a:extLst>
               <a:ext uri="{FF2B5EF4-FFF2-40B4-BE49-F238E27FC236}">
-                <a16:creationId xmlns:a16="http://schemas.microsoft.com/office/drawing/2014/main" id="{0C32620E-7865-BEA4-A056-2244BF00B8E3}"/>
+                <a16:creationId xmlns:a16="http://schemas.microsoft.com/office/drawing/2014/main" id="{75A43B4A-095D-7D0C-53E5-C4848C8DA907}"/>
               </a:ext>
             </a:extLst>
           </p:cNvPr>
@@ -290,7 +290,7 @@
           <p:cNvPr id="6" name="灯片编号占位符 5">
             <a:extLst>
               <a:ext uri="{FF2B5EF4-FFF2-40B4-BE49-F238E27FC236}">
-                <a16:creationId xmlns:a16="http://schemas.microsoft.com/office/drawing/2014/main" id="{DC9F5DCA-9C4C-B6AB-5ED4-E46FE46D0816}"/>
+                <a16:creationId xmlns:a16="http://schemas.microsoft.com/office/drawing/2014/main" id="{6AF1BB97-A539-F8B3-0C11-C4FA81DA2A81}"/>
               </a:ext>
             </a:extLst>
           </p:cNvPr>
@@ -306,7 +306,7 @@
           <a:bodyPr/>
           <a:lstStyle/>
           <a:p>
-            <a:fld id="{38B8B2A7-57FC-49A7-A3E7-E3023B4B388B}" type="slidenum">
+            <a:fld id="{1CCCE4B5-2858-4F9E-B2A9-27192CC2B258}" type="slidenum">
               <a:rPr lang="zh-CN" altLang="en-US" smtClean="0"/>
               <a:t>‹#›</a:t>
             </a:fld>
@@ -317,7 +317,7 @@
     </p:spTree>
     <p:extLst>
       <p:ext uri="{BB962C8B-B14F-4D97-AF65-F5344CB8AC3E}">
-        <p14:creationId xmlns:p14="http://schemas.microsoft.com/office/powerpoint/2010/main" val="4274600460"/>
+        <p14:creationId xmlns:p14="http://schemas.microsoft.com/office/powerpoint/2010/main" val="726238782"/>
       </p:ext>
     </p:extLst>
   </p:cSld>
@@ -349,7 +349,7 @@
           <p:cNvPr id="2" name="标题 1">
             <a:extLst>
               <a:ext uri="{FF2B5EF4-FFF2-40B4-BE49-F238E27FC236}">
-                <a16:creationId xmlns:a16="http://schemas.microsoft.com/office/drawing/2014/main" id="{DF765731-2548-07AE-834E-35BAA784EBDD}"/>
+                <a16:creationId xmlns:a16="http://schemas.microsoft.com/office/drawing/2014/main" id="{7B716E06-9C98-AAE5-5784-F20F597EB611}"/>
               </a:ext>
             </a:extLst>
           </p:cNvPr>
@@ -377,7 +377,7 @@
           <p:cNvPr id="3" name="竖排文字占位符 2">
             <a:extLst>
               <a:ext uri="{FF2B5EF4-FFF2-40B4-BE49-F238E27FC236}">
-                <a16:creationId xmlns:a16="http://schemas.microsoft.com/office/drawing/2014/main" id="{B9CF6EB8-5465-B859-E771-624C4014C019}"/>
+                <a16:creationId xmlns:a16="http://schemas.microsoft.com/office/drawing/2014/main" id="{A45B2508-4E9A-A4BD-46EC-84D955509E1F}"/>
               </a:ext>
             </a:extLst>
           </p:cNvPr>
@@ -434,7 +434,7 @@
           <p:cNvPr id="4" name="日期占位符 3">
             <a:extLst>
               <a:ext uri="{FF2B5EF4-FFF2-40B4-BE49-F238E27FC236}">
-                <a16:creationId xmlns:a16="http://schemas.microsoft.com/office/drawing/2014/main" id="{03E627E5-7903-E21E-9FAB-EDB49E45C79B}"/>
+                <a16:creationId xmlns:a16="http://schemas.microsoft.com/office/drawing/2014/main" id="{F37AA0CA-81D0-D098-0199-74F9F838B397}"/>
               </a:ext>
             </a:extLst>
           </p:cNvPr>
@@ -450,7 +450,7 @@
           <a:bodyPr/>
           <a:lstStyle/>
           <a:p>
-            <a:fld id="{2F4E9A6A-FF12-4BE1-ABCD-0A576B499661}" type="datetimeFigureOut">
+            <a:fld id="{B0D3FB19-8BFC-416A-9D95-5BF27EC0340C}" type="datetimeFigureOut">
               <a:rPr lang="zh-CN" altLang="en-US" smtClean="0"/>
               <a:t>2024/3/10</a:t>
             </a:fld>
@@ -463,7 +463,7 @@
           <p:cNvPr id="5" name="页脚占位符 4">
             <a:extLst>
               <a:ext uri="{FF2B5EF4-FFF2-40B4-BE49-F238E27FC236}">
-                <a16:creationId xmlns:a16="http://schemas.microsoft.com/office/drawing/2014/main" id="{4710F7CE-5D12-747A-9BCB-0D90DDBBFD9D}"/>
+                <a16:creationId xmlns:a16="http://schemas.microsoft.com/office/drawing/2014/main" id="{4D64BB89-4707-DD56-7B4B-352DDF01F3DF}"/>
               </a:ext>
             </a:extLst>
           </p:cNvPr>
@@ -488,7 +488,7 @@
           <p:cNvPr id="6" name="灯片编号占位符 5">
             <a:extLst>
               <a:ext uri="{FF2B5EF4-FFF2-40B4-BE49-F238E27FC236}">
-                <a16:creationId xmlns:a16="http://schemas.microsoft.com/office/drawing/2014/main" id="{C5D9AF7F-437A-7BDA-2D2B-F5181DE58FAB}"/>
+                <a16:creationId xmlns:a16="http://schemas.microsoft.com/office/drawing/2014/main" id="{20F7C2D1-8658-3A8B-C300-203FDA075FC3}"/>
               </a:ext>
             </a:extLst>
           </p:cNvPr>
@@ -504,7 +504,7 @@
           <a:bodyPr/>
           <a:lstStyle/>
           <a:p>
-            <a:fld id="{38B8B2A7-57FC-49A7-A3E7-E3023B4B388B}" type="slidenum">
+            <a:fld id="{1CCCE4B5-2858-4F9E-B2A9-27192CC2B258}" type="slidenum">
               <a:rPr lang="zh-CN" altLang="en-US" smtClean="0"/>
               <a:t>‹#›</a:t>
             </a:fld>
@@ -515,7 +515,7 @@
     </p:spTree>
     <p:extLst>
       <p:ext uri="{BB962C8B-B14F-4D97-AF65-F5344CB8AC3E}">
-        <p14:creationId xmlns:p14="http://schemas.microsoft.com/office/powerpoint/2010/main" val="1161100932"/>
+        <p14:creationId xmlns:p14="http://schemas.microsoft.com/office/powerpoint/2010/main" val="4186864488"/>
       </p:ext>
     </p:extLst>
   </p:cSld>
@@ -547,7 +547,7 @@
           <p:cNvPr id="2" name="竖排标题 1">
             <a:extLst>
               <a:ext uri="{FF2B5EF4-FFF2-40B4-BE49-F238E27FC236}">
-                <a16:creationId xmlns:a16="http://schemas.microsoft.com/office/drawing/2014/main" id="{E7BB1B09-91F5-DB56-5E0F-FC9555CED213}"/>
+                <a16:creationId xmlns:a16="http://schemas.microsoft.com/office/drawing/2014/main" id="{389B5EA0-93D7-DE1E-0328-AF960EA7D5C9}"/>
               </a:ext>
             </a:extLst>
           </p:cNvPr>
@@ -580,7 +580,7 @@
           <p:cNvPr id="3" name="竖排文字占位符 2">
             <a:extLst>
               <a:ext uri="{FF2B5EF4-FFF2-40B4-BE49-F238E27FC236}">
-                <a16:creationId xmlns:a16="http://schemas.microsoft.com/office/drawing/2014/main" id="{0662F582-3D5C-6A3C-5353-783AAFFBEC2A}"/>
+                <a16:creationId xmlns:a16="http://schemas.microsoft.com/office/drawing/2014/main" id="{15284C0D-897E-43E3-5ACE-FE1A74553CFE}"/>
               </a:ext>
             </a:extLst>
           </p:cNvPr>
@@ -642,7 +642,7 @@
           <p:cNvPr id="4" name="日期占位符 3">
             <a:extLst>
               <a:ext uri="{FF2B5EF4-FFF2-40B4-BE49-F238E27FC236}">
-                <a16:creationId xmlns:a16="http://schemas.microsoft.com/office/drawing/2014/main" id="{10C5D910-E943-E474-36C6-C0C467FAB773}"/>
+                <a16:creationId xmlns:a16="http://schemas.microsoft.com/office/drawing/2014/main" id="{38780A33-9517-FEB1-E025-DE4EBC3F4148}"/>
               </a:ext>
             </a:extLst>
           </p:cNvPr>
@@ -658,7 +658,7 @@
           <a:bodyPr/>
           <a:lstStyle/>
           <a:p>
-            <a:fld id="{2F4E9A6A-FF12-4BE1-ABCD-0A576B499661}" type="datetimeFigureOut">
+            <a:fld id="{B0D3FB19-8BFC-416A-9D95-5BF27EC0340C}" type="datetimeFigureOut">
               <a:rPr lang="zh-CN" altLang="en-US" smtClean="0"/>
               <a:t>2024/3/10</a:t>
             </a:fld>
@@ -671,7 +671,7 @@
           <p:cNvPr id="5" name="页脚占位符 4">
             <a:extLst>
               <a:ext uri="{FF2B5EF4-FFF2-40B4-BE49-F238E27FC236}">
-                <a16:creationId xmlns:a16="http://schemas.microsoft.com/office/drawing/2014/main" id="{5FD79739-D7C9-D931-A452-B98623A0873D}"/>
+                <a16:creationId xmlns:a16="http://schemas.microsoft.com/office/drawing/2014/main" id="{70992776-3B45-7ACD-59E0-D6C4B0AF90BB}"/>
               </a:ext>
             </a:extLst>
           </p:cNvPr>
@@ -696,7 +696,7 @@
           <p:cNvPr id="6" name="灯片编号占位符 5">
             <a:extLst>
               <a:ext uri="{FF2B5EF4-FFF2-40B4-BE49-F238E27FC236}">
-                <a16:creationId xmlns:a16="http://schemas.microsoft.com/office/drawing/2014/main" id="{5A8A4C1C-16D9-B51C-4727-E6639594BD34}"/>
+                <a16:creationId xmlns:a16="http://schemas.microsoft.com/office/drawing/2014/main" id="{78FDBF31-86A4-7BA5-ECAB-5105DC39B190}"/>
               </a:ext>
             </a:extLst>
           </p:cNvPr>
@@ -712,7 +712,7 @@
           <a:bodyPr/>
           <a:lstStyle/>
           <a:p>
-            <a:fld id="{38B8B2A7-57FC-49A7-A3E7-E3023B4B388B}" type="slidenum">
+            <a:fld id="{1CCCE4B5-2858-4F9E-B2A9-27192CC2B258}" type="slidenum">
               <a:rPr lang="zh-CN" altLang="en-US" smtClean="0"/>
               <a:t>‹#›</a:t>
             </a:fld>
@@ -723,7 +723,7 @@
     </p:spTree>
     <p:extLst>
       <p:ext uri="{BB962C8B-B14F-4D97-AF65-F5344CB8AC3E}">
-        <p14:creationId xmlns:p14="http://schemas.microsoft.com/office/powerpoint/2010/main" val="2407169009"/>
+        <p14:creationId xmlns:p14="http://schemas.microsoft.com/office/powerpoint/2010/main" val="3127897859"/>
       </p:ext>
     </p:extLst>
   </p:cSld>
@@ -755,7 +755,7 @@
           <p:cNvPr id="2" name="标题 1">
             <a:extLst>
               <a:ext uri="{FF2B5EF4-FFF2-40B4-BE49-F238E27FC236}">
-                <a16:creationId xmlns:a16="http://schemas.microsoft.com/office/drawing/2014/main" id="{8DEC7B9F-1859-DBC3-6196-E3C7CA14A586}"/>
+                <a16:creationId xmlns:a16="http://schemas.microsoft.com/office/drawing/2014/main" id="{EB7951A3-61F0-AC57-8F29-342C77A201B2}"/>
               </a:ext>
             </a:extLst>
           </p:cNvPr>
@@ -783,7 +783,7 @@
           <p:cNvPr id="3" name="内容占位符 2">
             <a:extLst>
               <a:ext uri="{FF2B5EF4-FFF2-40B4-BE49-F238E27FC236}">
-                <a16:creationId xmlns:a16="http://schemas.microsoft.com/office/drawing/2014/main" id="{78F41558-AC9F-45D9-8D6C-54E234BB8A34}"/>
+                <a16:creationId xmlns:a16="http://schemas.microsoft.com/office/drawing/2014/main" id="{4DD9C4CD-2572-F73B-A760-453BCE8AEAC5}"/>
               </a:ext>
             </a:extLst>
           </p:cNvPr>
@@ -840,7 +840,7 @@
           <p:cNvPr id="4" name="日期占位符 3">
             <a:extLst>
               <a:ext uri="{FF2B5EF4-FFF2-40B4-BE49-F238E27FC236}">
-                <a16:creationId xmlns:a16="http://schemas.microsoft.com/office/drawing/2014/main" id="{8563DDE5-D1C4-5130-3B4A-EA905FF3A915}"/>
+                <a16:creationId xmlns:a16="http://schemas.microsoft.com/office/drawing/2014/main" id="{D7DA930A-787B-B79F-9133-844CD63FE300}"/>
               </a:ext>
             </a:extLst>
           </p:cNvPr>
@@ -856,7 +856,7 @@
           <a:bodyPr/>
           <a:lstStyle/>
           <a:p>
-            <a:fld id="{2F4E9A6A-FF12-4BE1-ABCD-0A576B499661}" type="datetimeFigureOut">
+            <a:fld id="{B0D3FB19-8BFC-416A-9D95-5BF27EC0340C}" type="datetimeFigureOut">
               <a:rPr lang="zh-CN" altLang="en-US" smtClean="0"/>
               <a:t>2024/3/10</a:t>
             </a:fld>
@@ -869,7 +869,7 @@
           <p:cNvPr id="5" name="页脚占位符 4">
             <a:extLst>
               <a:ext uri="{FF2B5EF4-FFF2-40B4-BE49-F238E27FC236}">
-                <a16:creationId xmlns:a16="http://schemas.microsoft.com/office/drawing/2014/main" id="{0F57FB1E-4D78-CE10-B26D-0C2B4E046E2A}"/>
+                <a16:creationId xmlns:a16="http://schemas.microsoft.com/office/drawing/2014/main" id="{4DE900BD-FEF7-AD70-6D5E-F25402E604E2}"/>
               </a:ext>
             </a:extLst>
           </p:cNvPr>
@@ -894,7 +894,7 @@
           <p:cNvPr id="6" name="灯片编号占位符 5">
             <a:extLst>
               <a:ext uri="{FF2B5EF4-FFF2-40B4-BE49-F238E27FC236}">
-                <a16:creationId xmlns:a16="http://schemas.microsoft.com/office/drawing/2014/main" id="{14A627D7-5DAF-F24E-B005-C2BB17BB743E}"/>
+                <a16:creationId xmlns:a16="http://schemas.microsoft.com/office/drawing/2014/main" id="{3717C287-5F69-3AC9-5FD0-0A0F12EBE270}"/>
               </a:ext>
             </a:extLst>
           </p:cNvPr>
@@ -910,7 +910,7 @@
           <a:bodyPr/>
           <a:lstStyle/>
           <a:p>
-            <a:fld id="{38B8B2A7-57FC-49A7-A3E7-E3023B4B388B}" type="slidenum">
+            <a:fld id="{1CCCE4B5-2858-4F9E-B2A9-27192CC2B258}" type="slidenum">
               <a:rPr lang="zh-CN" altLang="en-US" smtClean="0"/>
               <a:t>‹#›</a:t>
             </a:fld>
@@ -921,7 +921,7 @@
     </p:spTree>
     <p:extLst>
       <p:ext uri="{BB962C8B-B14F-4D97-AF65-F5344CB8AC3E}">
-        <p14:creationId xmlns:p14="http://schemas.microsoft.com/office/powerpoint/2010/main" val="1059905058"/>
+        <p14:creationId xmlns:p14="http://schemas.microsoft.com/office/powerpoint/2010/main" val="1138365263"/>
       </p:ext>
     </p:extLst>
   </p:cSld>
@@ -953,7 +953,7 @@
           <p:cNvPr id="2" name="标题 1">
             <a:extLst>
               <a:ext uri="{FF2B5EF4-FFF2-40B4-BE49-F238E27FC236}">
-                <a16:creationId xmlns:a16="http://schemas.microsoft.com/office/drawing/2014/main" id="{B4D0CD91-DCEF-4671-A9A9-B14C1E74F1B4}"/>
+                <a16:creationId xmlns:a16="http://schemas.microsoft.com/office/drawing/2014/main" id="{90638463-6D88-8F70-1168-0B1B0D95E906}"/>
               </a:ext>
             </a:extLst>
           </p:cNvPr>
@@ -990,7 +990,7 @@
           <p:cNvPr id="3" name="文本占位符 2">
             <a:extLst>
               <a:ext uri="{FF2B5EF4-FFF2-40B4-BE49-F238E27FC236}">
-                <a16:creationId xmlns:a16="http://schemas.microsoft.com/office/drawing/2014/main" id="{068DDB36-DD3C-A66A-C6B2-90452AAFF3CF}"/>
+                <a16:creationId xmlns:a16="http://schemas.microsoft.com/office/drawing/2014/main" id="{8964E836-88F8-C189-90C6-F0D0477DAB77}"/>
               </a:ext>
             </a:extLst>
           </p:cNvPr>
@@ -1115,7 +1115,7 @@
           <p:cNvPr id="4" name="日期占位符 3">
             <a:extLst>
               <a:ext uri="{FF2B5EF4-FFF2-40B4-BE49-F238E27FC236}">
-                <a16:creationId xmlns:a16="http://schemas.microsoft.com/office/drawing/2014/main" id="{2F5F3FE0-DE5B-9554-9B96-C708265D2C4F}"/>
+                <a16:creationId xmlns:a16="http://schemas.microsoft.com/office/drawing/2014/main" id="{4C0265B4-E1C2-EAC6-A553-CAB26D08AADD}"/>
               </a:ext>
             </a:extLst>
           </p:cNvPr>
@@ -1131,7 +1131,7 @@
           <a:bodyPr/>
           <a:lstStyle/>
           <a:p>
-            <a:fld id="{2F4E9A6A-FF12-4BE1-ABCD-0A576B499661}" type="datetimeFigureOut">
+            <a:fld id="{B0D3FB19-8BFC-416A-9D95-5BF27EC0340C}" type="datetimeFigureOut">
               <a:rPr lang="zh-CN" altLang="en-US" smtClean="0"/>
               <a:t>2024/3/10</a:t>
             </a:fld>
@@ -1144,7 +1144,7 @@
           <p:cNvPr id="5" name="页脚占位符 4">
             <a:extLst>
               <a:ext uri="{FF2B5EF4-FFF2-40B4-BE49-F238E27FC236}">
-                <a16:creationId xmlns:a16="http://schemas.microsoft.com/office/drawing/2014/main" id="{1BEEA116-7C6F-ABC3-22BB-7FCF92B1FD96}"/>
+                <a16:creationId xmlns:a16="http://schemas.microsoft.com/office/drawing/2014/main" id="{B324E86D-CB43-7508-F124-B5DCBE5F2C85}"/>
               </a:ext>
             </a:extLst>
           </p:cNvPr>
@@ -1169,7 +1169,7 @@
           <p:cNvPr id="6" name="灯片编号占位符 5">
             <a:extLst>
               <a:ext uri="{FF2B5EF4-FFF2-40B4-BE49-F238E27FC236}">
-                <a16:creationId xmlns:a16="http://schemas.microsoft.com/office/drawing/2014/main" id="{C5F5566B-9ED9-E9D9-199D-2FFC41374541}"/>
+                <a16:creationId xmlns:a16="http://schemas.microsoft.com/office/drawing/2014/main" id="{ED781C73-E60C-9FEF-F5A9-6BC7A9D83573}"/>
               </a:ext>
             </a:extLst>
           </p:cNvPr>
@@ -1185,7 +1185,7 @@
           <a:bodyPr/>
           <a:lstStyle/>
           <a:p>
-            <a:fld id="{38B8B2A7-57FC-49A7-A3E7-E3023B4B388B}" type="slidenum">
+            <a:fld id="{1CCCE4B5-2858-4F9E-B2A9-27192CC2B258}" type="slidenum">
               <a:rPr lang="zh-CN" altLang="en-US" smtClean="0"/>
               <a:t>‹#›</a:t>
             </a:fld>
@@ -1196,7 +1196,7 @@
     </p:spTree>
     <p:extLst>
       <p:ext uri="{BB962C8B-B14F-4D97-AF65-F5344CB8AC3E}">
-        <p14:creationId xmlns:p14="http://schemas.microsoft.com/office/powerpoint/2010/main" val="2813222533"/>
+        <p14:creationId xmlns:p14="http://schemas.microsoft.com/office/powerpoint/2010/main" val="1735902530"/>
       </p:ext>
     </p:extLst>
   </p:cSld>
@@ -1228,7 +1228,7 @@
           <p:cNvPr id="2" name="标题 1">
             <a:extLst>
               <a:ext uri="{FF2B5EF4-FFF2-40B4-BE49-F238E27FC236}">
-                <a16:creationId xmlns:a16="http://schemas.microsoft.com/office/drawing/2014/main" id="{AEDE0569-F638-FD53-2BCE-A66A05F8F58B}"/>
+                <a16:creationId xmlns:a16="http://schemas.microsoft.com/office/drawing/2014/main" id="{9A4A8361-2764-A108-E762-EB1193712B29}"/>
               </a:ext>
             </a:extLst>
           </p:cNvPr>
@@ -1256,7 +1256,7 @@
           <p:cNvPr id="3" name="内容占位符 2">
             <a:extLst>
               <a:ext uri="{FF2B5EF4-FFF2-40B4-BE49-F238E27FC236}">
-                <a16:creationId xmlns:a16="http://schemas.microsoft.com/office/drawing/2014/main" id="{2ABB0D44-9FBC-AA0F-5D89-B0454704E225}"/>
+                <a16:creationId xmlns:a16="http://schemas.microsoft.com/office/drawing/2014/main" id="{D73A5882-AD08-312D-98C9-6CB2CF4CEA65}"/>
               </a:ext>
             </a:extLst>
           </p:cNvPr>
@@ -1318,7 +1318,7 @@
           <p:cNvPr id="4" name="内容占位符 3">
             <a:extLst>
               <a:ext uri="{FF2B5EF4-FFF2-40B4-BE49-F238E27FC236}">
-                <a16:creationId xmlns:a16="http://schemas.microsoft.com/office/drawing/2014/main" id="{024D01B6-C7B7-0966-7BF7-07FA0637A977}"/>
+                <a16:creationId xmlns:a16="http://schemas.microsoft.com/office/drawing/2014/main" id="{324C2FCB-3BEB-B6FD-0101-9F6325D899DB}"/>
               </a:ext>
             </a:extLst>
           </p:cNvPr>
@@ -1380,7 +1380,7 @@
           <p:cNvPr id="5" name="日期占位符 4">
             <a:extLst>
               <a:ext uri="{FF2B5EF4-FFF2-40B4-BE49-F238E27FC236}">
-                <a16:creationId xmlns:a16="http://schemas.microsoft.com/office/drawing/2014/main" id="{66B7DBA1-C598-352D-2469-5044E7E7FB15}"/>
+                <a16:creationId xmlns:a16="http://schemas.microsoft.com/office/drawing/2014/main" id="{39E362BD-4638-75D9-6A84-B6565A578709}"/>
               </a:ext>
             </a:extLst>
           </p:cNvPr>
@@ -1396,7 +1396,7 @@
           <a:bodyPr/>
           <a:lstStyle/>
           <a:p>
-            <a:fld id="{2F4E9A6A-FF12-4BE1-ABCD-0A576B499661}" type="datetimeFigureOut">
+            <a:fld id="{B0D3FB19-8BFC-416A-9D95-5BF27EC0340C}" type="datetimeFigureOut">
               <a:rPr lang="zh-CN" altLang="en-US" smtClean="0"/>
               <a:t>2024/3/10</a:t>
             </a:fld>
@@ -1409,7 +1409,7 @@
           <p:cNvPr id="6" name="页脚占位符 5">
             <a:extLst>
               <a:ext uri="{FF2B5EF4-FFF2-40B4-BE49-F238E27FC236}">
-                <a16:creationId xmlns:a16="http://schemas.microsoft.com/office/drawing/2014/main" id="{2865935D-A403-7F0E-D060-80A0EA518594}"/>
+                <a16:creationId xmlns:a16="http://schemas.microsoft.com/office/drawing/2014/main" id="{A6AD4B7A-E40E-C968-74CD-02BB06DF7E35}"/>
               </a:ext>
             </a:extLst>
           </p:cNvPr>
@@ -1434,7 +1434,7 @@
           <p:cNvPr id="7" name="灯片编号占位符 6">
             <a:extLst>
               <a:ext uri="{FF2B5EF4-FFF2-40B4-BE49-F238E27FC236}">
-                <a16:creationId xmlns:a16="http://schemas.microsoft.com/office/drawing/2014/main" id="{AEC79D64-8BE1-AC3C-4C40-29AD1ACEDFB4}"/>
+                <a16:creationId xmlns:a16="http://schemas.microsoft.com/office/drawing/2014/main" id="{A99C5C43-3942-9FAA-6009-3DEDB41B9AF9}"/>
               </a:ext>
             </a:extLst>
           </p:cNvPr>
@@ -1450,7 +1450,7 @@
           <a:bodyPr/>
           <a:lstStyle/>
           <a:p>
-            <a:fld id="{38B8B2A7-57FC-49A7-A3E7-E3023B4B388B}" type="slidenum">
+            <a:fld id="{1CCCE4B5-2858-4F9E-B2A9-27192CC2B258}" type="slidenum">
               <a:rPr lang="zh-CN" altLang="en-US" smtClean="0"/>
               <a:t>‹#›</a:t>
             </a:fld>
@@ -1461,7 +1461,7 @@
     </p:spTree>
     <p:extLst>
       <p:ext uri="{BB962C8B-B14F-4D97-AF65-F5344CB8AC3E}">
-        <p14:creationId xmlns:p14="http://schemas.microsoft.com/office/powerpoint/2010/main" val="3363707551"/>
+        <p14:creationId xmlns:p14="http://schemas.microsoft.com/office/powerpoint/2010/main" val="846132988"/>
       </p:ext>
     </p:extLst>
   </p:cSld>
@@ -1493,7 +1493,7 @@
           <p:cNvPr id="2" name="标题 1">
             <a:extLst>
               <a:ext uri="{FF2B5EF4-FFF2-40B4-BE49-F238E27FC236}">
-                <a16:creationId xmlns:a16="http://schemas.microsoft.com/office/drawing/2014/main" id="{44E90BE8-B091-2307-3BD9-EFC20EC9D55A}"/>
+                <a16:creationId xmlns:a16="http://schemas.microsoft.com/office/drawing/2014/main" id="{05A517C5-93A2-AED4-656F-ADE966A5BC15}"/>
               </a:ext>
             </a:extLst>
           </p:cNvPr>
@@ -1526,7 +1526,7 @@
           <p:cNvPr id="3" name="文本占位符 2">
             <a:extLst>
               <a:ext uri="{FF2B5EF4-FFF2-40B4-BE49-F238E27FC236}">
-                <a16:creationId xmlns:a16="http://schemas.microsoft.com/office/drawing/2014/main" id="{C1440876-017A-90EA-9782-8591728FB3E9}"/>
+                <a16:creationId xmlns:a16="http://schemas.microsoft.com/office/drawing/2014/main" id="{1BFD1C9F-158F-25F1-7DCE-DFCC22DB9E25}"/>
               </a:ext>
             </a:extLst>
           </p:cNvPr>
@@ -1597,7 +1597,7 @@
           <p:cNvPr id="4" name="内容占位符 3">
             <a:extLst>
               <a:ext uri="{FF2B5EF4-FFF2-40B4-BE49-F238E27FC236}">
-                <a16:creationId xmlns:a16="http://schemas.microsoft.com/office/drawing/2014/main" id="{C6373693-E87E-14D4-E880-B90EAAAE5A0A}"/>
+                <a16:creationId xmlns:a16="http://schemas.microsoft.com/office/drawing/2014/main" id="{020C4642-B810-B026-153F-D79933367BF9}"/>
               </a:ext>
             </a:extLst>
           </p:cNvPr>
@@ -1659,7 +1659,7 @@
           <p:cNvPr id="5" name="文本占位符 4">
             <a:extLst>
               <a:ext uri="{FF2B5EF4-FFF2-40B4-BE49-F238E27FC236}">
-                <a16:creationId xmlns:a16="http://schemas.microsoft.com/office/drawing/2014/main" id="{C7BFD431-D5B9-43AE-B200-8FB574DA3B14}"/>
+                <a16:creationId xmlns:a16="http://schemas.microsoft.com/office/drawing/2014/main" id="{BDB0A131-98B6-DA3A-70B7-9140526E57BE}"/>
               </a:ext>
             </a:extLst>
           </p:cNvPr>
@@ -1730,7 +1730,7 @@
           <p:cNvPr id="6" name="内容占位符 5">
             <a:extLst>
               <a:ext uri="{FF2B5EF4-FFF2-40B4-BE49-F238E27FC236}">
-                <a16:creationId xmlns:a16="http://schemas.microsoft.com/office/drawing/2014/main" id="{314178E7-41F2-200F-5A4C-223C50421B4D}"/>
+                <a16:creationId xmlns:a16="http://schemas.microsoft.com/office/drawing/2014/main" id="{A2C879EB-F630-9D82-7617-2F32BD80673C}"/>
               </a:ext>
             </a:extLst>
           </p:cNvPr>
@@ -1792,7 +1792,7 @@
           <p:cNvPr id="7" name="日期占位符 6">
             <a:extLst>
               <a:ext uri="{FF2B5EF4-FFF2-40B4-BE49-F238E27FC236}">
-                <a16:creationId xmlns:a16="http://schemas.microsoft.com/office/drawing/2014/main" id="{A529FE0F-2BA9-066A-C3E7-1315AE497C13}"/>
+                <a16:creationId xmlns:a16="http://schemas.microsoft.com/office/drawing/2014/main" id="{974CC121-3732-249B-7636-31044A9BC5AB}"/>
               </a:ext>
             </a:extLst>
           </p:cNvPr>
@@ -1808,7 +1808,7 @@
           <a:bodyPr/>
           <a:lstStyle/>
           <a:p>
-            <a:fld id="{2F4E9A6A-FF12-4BE1-ABCD-0A576B499661}" type="datetimeFigureOut">
+            <a:fld id="{B0D3FB19-8BFC-416A-9D95-5BF27EC0340C}" type="datetimeFigureOut">
               <a:rPr lang="zh-CN" altLang="en-US" smtClean="0"/>
               <a:t>2024/3/10</a:t>
             </a:fld>
@@ -1821,7 +1821,7 @@
           <p:cNvPr id="8" name="页脚占位符 7">
             <a:extLst>
               <a:ext uri="{FF2B5EF4-FFF2-40B4-BE49-F238E27FC236}">
-                <a16:creationId xmlns:a16="http://schemas.microsoft.com/office/drawing/2014/main" id="{346ABABD-9367-3F9A-B909-B9356D3769FF}"/>
+                <a16:creationId xmlns:a16="http://schemas.microsoft.com/office/drawing/2014/main" id="{C7E6B904-784F-6630-CAB9-63082A4A3E1F}"/>
               </a:ext>
             </a:extLst>
           </p:cNvPr>
@@ -1846,7 +1846,7 @@
           <p:cNvPr id="9" name="灯片编号占位符 8">
             <a:extLst>
               <a:ext uri="{FF2B5EF4-FFF2-40B4-BE49-F238E27FC236}">
-                <a16:creationId xmlns:a16="http://schemas.microsoft.com/office/drawing/2014/main" id="{134D5E94-79BE-B55A-9ADB-84EC83A53C63}"/>
+                <a16:creationId xmlns:a16="http://schemas.microsoft.com/office/drawing/2014/main" id="{667261A2-9819-5251-1858-C5C14ADB3E8B}"/>
               </a:ext>
             </a:extLst>
           </p:cNvPr>
@@ -1862,7 +1862,7 @@
           <a:bodyPr/>
           <a:lstStyle/>
           <a:p>
-            <a:fld id="{38B8B2A7-57FC-49A7-A3E7-E3023B4B388B}" type="slidenum">
+            <a:fld id="{1CCCE4B5-2858-4F9E-B2A9-27192CC2B258}" type="slidenum">
               <a:rPr lang="zh-CN" altLang="en-US" smtClean="0"/>
               <a:t>‹#›</a:t>
             </a:fld>
@@ -1873,7 +1873,7 @@
     </p:spTree>
     <p:extLst>
       <p:ext uri="{BB962C8B-B14F-4D97-AF65-F5344CB8AC3E}">
-        <p14:creationId xmlns:p14="http://schemas.microsoft.com/office/powerpoint/2010/main" val="2159024331"/>
+        <p14:creationId xmlns:p14="http://schemas.microsoft.com/office/powerpoint/2010/main" val="1680981550"/>
       </p:ext>
     </p:extLst>
   </p:cSld>
@@ -1905,7 +1905,7 @@
           <p:cNvPr id="2" name="标题 1">
             <a:extLst>
               <a:ext uri="{FF2B5EF4-FFF2-40B4-BE49-F238E27FC236}">
-                <a16:creationId xmlns:a16="http://schemas.microsoft.com/office/drawing/2014/main" id="{2C43E3A9-9C4C-56E5-0DD5-5652B9CCAEA5}"/>
+                <a16:creationId xmlns:a16="http://schemas.microsoft.com/office/drawing/2014/main" id="{2A14D2BB-1406-8589-84A2-93481D841F40}"/>
               </a:ext>
             </a:extLst>
           </p:cNvPr>
@@ -1933,7 +1933,7 @@
           <p:cNvPr id="3" name="日期占位符 2">
             <a:extLst>
               <a:ext uri="{FF2B5EF4-FFF2-40B4-BE49-F238E27FC236}">
-                <a16:creationId xmlns:a16="http://schemas.microsoft.com/office/drawing/2014/main" id="{11A99732-FD6E-56AE-728F-00DFBDBDFD88}"/>
+                <a16:creationId xmlns:a16="http://schemas.microsoft.com/office/drawing/2014/main" id="{3DE0F777-AEC7-4591-B24D-293622233377}"/>
               </a:ext>
             </a:extLst>
           </p:cNvPr>
@@ -1949,7 +1949,7 @@
           <a:bodyPr/>
           <a:lstStyle/>
           <a:p>
-            <a:fld id="{2F4E9A6A-FF12-4BE1-ABCD-0A576B499661}" type="datetimeFigureOut">
+            <a:fld id="{B0D3FB19-8BFC-416A-9D95-5BF27EC0340C}" type="datetimeFigureOut">
               <a:rPr lang="zh-CN" altLang="en-US" smtClean="0"/>
               <a:t>2024/3/10</a:t>
             </a:fld>
@@ -1962,7 +1962,7 @@
           <p:cNvPr id="4" name="页脚占位符 3">
             <a:extLst>
               <a:ext uri="{FF2B5EF4-FFF2-40B4-BE49-F238E27FC236}">
-                <a16:creationId xmlns:a16="http://schemas.microsoft.com/office/drawing/2014/main" id="{BC1E117D-261A-53B9-C352-E4BA497808E7}"/>
+                <a16:creationId xmlns:a16="http://schemas.microsoft.com/office/drawing/2014/main" id="{41F87967-4672-CF5A-9699-674F57EAB300}"/>
               </a:ext>
             </a:extLst>
           </p:cNvPr>
@@ -1987,7 +1987,7 @@
           <p:cNvPr id="5" name="灯片编号占位符 4">
             <a:extLst>
               <a:ext uri="{FF2B5EF4-FFF2-40B4-BE49-F238E27FC236}">
-                <a16:creationId xmlns:a16="http://schemas.microsoft.com/office/drawing/2014/main" id="{DA1037D2-B190-F6BD-ABFB-F83B6A614F84}"/>
+                <a16:creationId xmlns:a16="http://schemas.microsoft.com/office/drawing/2014/main" id="{1C9E2F20-0106-5CF3-F4E6-9AAE94F65832}"/>
               </a:ext>
             </a:extLst>
           </p:cNvPr>
@@ -2003,7 +2003,7 @@
           <a:bodyPr/>
           <a:lstStyle/>
           <a:p>
-            <a:fld id="{38B8B2A7-57FC-49A7-A3E7-E3023B4B388B}" type="slidenum">
+            <a:fld id="{1CCCE4B5-2858-4F9E-B2A9-27192CC2B258}" type="slidenum">
               <a:rPr lang="zh-CN" altLang="en-US" smtClean="0"/>
               <a:t>‹#›</a:t>
             </a:fld>
@@ -2014,7 +2014,7 @@
     </p:spTree>
     <p:extLst>
       <p:ext uri="{BB962C8B-B14F-4D97-AF65-F5344CB8AC3E}">
-        <p14:creationId xmlns:p14="http://schemas.microsoft.com/office/powerpoint/2010/main" val="1731539331"/>
+        <p14:creationId xmlns:p14="http://schemas.microsoft.com/office/powerpoint/2010/main" val="1235719006"/>
       </p:ext>
     </p:extLst>
   </p:cSld>
@@ -2046,7 +2046,7 @@
           <p:cNvPr id="2" name="日期占位符 1">
             <a:extLst>
               <a:ext uri="{FF2B5EF4-FFF2-40B4-BE49-F238E27FC236}">
-                <a16:creationId xmlns:a16="http://schemas.microsoft.com/office/drawing/2014/main" id="{ACDC8BF3-BE19-22FB-43E9-655923E344F3}"/>
+                <a16:creationId xmlns:a16="http://schemas.microsoft.com/office/drawing/2014/main" id="{766F1AF8-9AB4-B4AA-BC9D-EC27D0930E64}"/>
               </a:ext>
             </a:extLst>
           </p:cNvPr>
@@ -2062,7 +2062,7 @@
           <a:bodyPr/>
           <a:lstStyle/>
           <a:p>
-            <a:fld id="{2F4E9A6A-FF12-4BE1-ABCD-0A576B499661}" type="datetimeFigureOut">
+            <a:fld id="{B0D3FB19-8BFC-416A-9D95-5BF27EC0340C}" type="datetimeFigureOut">
               <a:rPr lang="zh-CN" altLang="en-US" smtClean="0"/>
               <a:t>2024/3/10</a:t>
             </a:fld>
@@ -2075,7 +2075,7 @@
           <p:cNvPr id="3" name="页脚占位符 2">
             <a:extLst>
               <a:ext uri="{FF2B5EF4-FFF2-40B4-BE49-F238E27FC236}">
-                <a16:creationId xmlns:a16="http://schemas.microsoft.com/office/drawing/2014/main" id="{987F71FC-F989-E5D0-8371-FCBF967B5BA4}"/>
+                <a16:creationId xmlns:a16="http://schemas.microsoft.com/office/drawing/2014/main" id="{5C74C5AE-FD85-A72B-4367-628D93B0697D}"/>
               </a:ext>
             </a:extLst>
           </p:cNvPr>
@@ -2100,7 +2100,7 @@
           <p:cNvPr id="4" name="灯片编号占位符 3">
             <a:extLst>
               <a:ext uri="{FF2B5EF4-FFF2-40B4-BE49-F238E27FC236}">
-                <a16:creationId xmlns:a16="http://schemas.microsoft.com/office/drawing/2014/main" id="{D7DB7D29-F245-C4B1-7DD9-B6D6DF72FA40}"/>
+                <a16:creationId xmlns:a16="http://schemas.microsoft.com/office/drawing/2014/main" id="{CDD0F82F-5241-497A-6FBF-D7C743387E2C}"/>
               </a:ext>
             </a:extLst>
           </p:cNvPr>
@@ -2116,7 +2116,7 @@
           <a:bodyPr/>
           <a:lstStyle/>
           <a:p>
-            <a:fld id="{38B8B2A7-57FC-49A7-A3E7-E3023B4B388B}" type="slidenum">
+            <a:fld id="{1CCCE4B5-2858-4F9E-B2A9-27192CC2B258}" type="slidenum">
               <a:rPr lang="zh-CN" altLang="en-US" smtClean="0"/>
               <a:t>‹#›</a:t>
             </a:fld>
@@ -2127,7 +2127,7 @@
     </p:spTree>
     <p:extLst>
       <p:ext uri="{BB962C8B-B14F-4D97-AF65-F5344CB8AC3E}">
-        <p14:creationId xmlns:p14="http://schemas.microsoft.com/office/powerpoint/2010/main" val="2853960417"/>
+        <p14:creationId xmlns:p14="http://schemas.microsoft.com/office/powerpoint/2010/main" val="3195427586"/>
       </p:ext>
     </p:extLst>
   </p:cSld>
@@ -2159,7 +2159,7 @@
           <p:cNvPr id="2" name="标题 1">
             <a:extLst>
               <a:ext uri="{FF2B5EF4-FFF2-40B4-BE49-F238E27FC236}">
-                <a16:creationId xmlns:a16="http://schemas.microsoft.com/office/drawing/2014/main" id="{116BAE24-0257-622A-761B-325E2D4D467A}"/>
+                <a16:creationId xmlns:a16="http://schemas.microsoft.com/office/drawing/2014/main" id="{2FAB5A07-8F30-60C0-4BF8-B0D88F4769DC}"/>
               </a:ext>
             </a:extLst>
           </p:cNvPr>
@@ -2196,7 +2196,7 @@
           <p:cNvPr id="3" name="内容占位符 2">
             <a:extLst>
               <a:ext uri="{FF2B5EF4-FFF2-40B4-BE49-F238E27FC236}">
-                <a16:creationId xmlns:a16="http://schemas.microsoft.com/office/drawing/2014/main" id="{6AD3C6C3-7CB0-B0D6-A69D-B6AF15248345}"/>
+                <a16:creationId xmlns:a16="http://schemas.microsoft.com/office/drawing/2014/main" id="{96D956F8-D0A1-194A-9296-C12D0AF43241}"/>
               </a:ext>
             </a:extLst>
           </p:cNvPr>
@@ -2286,7 +2286,7 @@
           <p:cNvPr id="4" name="文本占位符 3">
             <a:extLst>
               <a:ext uri="{FF2B5EF4-FFF2-40B4-BE49-F238E27FC236}">
-                <a16:creationId xmlns:a16="http://schemas.microsoft.com/office/drawing/2014/main" id="{56BBAE0E-0E3D-CAEC-4D45-7B51F30FF7E0}"/>
+                <a16:creationId xmlns:a16="http://schemas.microsoft.com/office/drawing/2014/main" id="{2BF833D9-B5A8-8666-C19B-0F5D10FAF20B}"/>
               </a:ext>
             </a:extLst>
           </p:cNvPr>
@@ -2357,7 +2357,7 @@
           <p:cNvPr id="5" name="日期占位符 4">
             <a:extLst>
               <a:ext uri="{FF2B5EF4-FFF2-40B4-BE49-F238E27FC236}">
-                <a16:creationId xmlns:a16="http://schemas.microsoft.com/office/drawing/2014/main" id="{308FCB2A-4C9A-E14B-6F5B-83710ADAFEA2}"/>
+                <a16:creationId xmlns:a16="http://schemas.microsoft.com/office/drawing/2014/main" id="{CCC5A903-0A2A-2532-F4F1-095BDDFD0671}"/>
               </a:ext>
             </a:extLst>
           </p:cNvPr>
@@ -2373,7 +2373,7 @@
           <a:bodyPr/>
           <a:lstStyle/>
           <a:p>
-            <a:fld id="{2F4E9A6A-FF12-4BE1-ABCD-0A576B499661}" type="datetimeFigureOut">
+            <a:fld id="{B0D3FB19-8BFC-416A-9D95-5BF27EC0340C}" type="datetimeFigureOut">
               <a:rPr lang="zh-CN" altLang="en-US" smtClean="0"/>
               <a:t>2024/3/10</a:t>
             </a:fld>
@@ -2386,7 +2386,7 @@
           <p:cNvPr id="6" name="页脚占位符 5">
             <a:extLst>
               <a:ext uri="{FF2B5EF4-FFF2-40B4-BE49-F238E27FC236}">
-                <a16:creationId xmlns:a16="http://schemas.microsoft.com/office/drawing/2014/main" id="{232CF861-B4FE-8E5F-44BB-7F2A855C9A76}"/>
+                <a16:creationId xmlns:a16="http://schemas.microsoft.com/office/drawing/2014/main" id="{59754CF2-399C-C229-EB4C-106B974DC118}"/>
               </a:ext>
             </a:extLst>
           </p:cNvPr>
@@ -2411,7 +2411,7 @@
           <p:cNvPr id="7" name="灯片编号占位符 6">
             <a:extLst>
               <a:ext uri="{FF2B5EF4-FFF2-40B4-BE49-F238E27FC236}">
-                <a16:creationId xmlns:a16="http://schemas.microsoft.com/office/drawing/2014/main" id="{5FFF1A26-961C-C05C-8686-7392BCDAB615}"/>
+                <a16:creationId xmlns:a16="http://schemas.microsoft.com/office/drawing/2014/main" id="{09C98DE5-2014-2234-BC6E-5489C3122066}"/>
               </a:ext>
             </a:extLst>
           </p:cNvPr>
@@ -2427,7 +2427,7 @@
           <a:bodyPr/>
           <a:lstStyle/>
           <a:p>
-            <a:fld id="{38B8B2A7-57FC-49A7-A3E7-E3023B4B388B}" type="slidenum">
+            <a:fld id="{1CCCE4B5-2858-4F9E-B2A9-27192CC2B258}" type="slidenum">
               <a:rPr lang="zh-CN" altLang="en-US" smtClean="0"/>
               <a:t>‹#›</a:t>
             </a:fld>
@@ -2438,7 +2438,7 @@
     </p:spTree>
     <p:extLst>
       <p:ext uri="{BB962C8B-B14F-4D97-AF65-F5344CB8AC3E}">
-        <p14:creationId xmlns:p14="http://schemas.microsoft.com/office/powerpoint/2010/main" val="3562138443"/>
+        <p14:creationId xmlns:p14="http://schemas.microsoft.com/office/powerpoint/2010/main" val="3570690152"/>
       </p:ext>
     </p:extLst>
   </p:cSld>
@@ -2470,7 +2470,7 @@
           <p:cNvPr id="2" name="标题 1">
             <a:extLst>
               <a:ext uri="{FF2B5EF4-FFF2-40B4-BE49-F238E27FC236}">
-                <a16:creationId xmlns:a16="http://schemas.microsoft.com/office/drawing/2014/main" id="{64557F3A-355D-57FC-5A0C-9A7C21F68019}"/>
+                <a16:creationId xmlns:a16="http://schemas.microsoft.com/office/drawing/2014/main" id="{2DBC35D9-F355-BA49-6256-514370D241D3}"/>
               </a:ext>
             </a:extLst>
           </p:cNvPr>
@@ -2507,7 +2507,7 @@
           <p:cNvPr id="3" name="图片占位符 2">
             <a:extLst>
               <a:ext uri="{FF2B5EF4-FFF2-40B4-BE49-F238E27FC236}">
-                <a16:creationId xmlns:a16="http://schemas.microsoft.com/office/drawing/2014/main" id="{CD843BC5-C1A0-848D-FBC8-92BC7F0D21D5}"/>
+                <a16:creationId xmlns:a16="http://schemas.microsoft.com/office/drawing/2014/main" id="{661B4928-9770-E604-BDD6-91D03C8B12B4}"/>
               </a:ext>
             </a:extLst>
           </p:cNvPr>
@@ -2574,7 +2574,7 @@
           <p:cNvPr id="4" name="文本占位符 3">
             <a:extLst>
               <a:ext uri="{FF2B5EF4-FFF2-40B4-BE49-F238E27FC236}">
-                <a16:creationId xmlns:a16="http://schemas.microsoft.com/office/drawing/2014/main" id="{8C153E3D-DD33-A567-E1A0-C6899DC916F7}"/>
+                <a16:creationId xmlns:a16="http://schemas.microsoft.com/office/drawing/2014/main" id="{78485A53-E3D6-9BB2-912E-2E22C424AD91}"/>
               </a:ext>
             </a:extLst>
           </p:cNvPr>
@@ -2645,7 +2645,7 @@
           <p:cNvPr id="5" name="日期占位符 4">
             <a:extLst>
               <a:ext uri="{FF2B5EF4-FFF2-40B4-BE49-F238E27FC236}">
-                <a16:creationId xmlns:a16="http://schemas.microsoft.com/office/drawing/2014/main" id="{9B6CCCD1-9D9F-44CE-E37B-1CB01461AF02}"/>
+                <a16:creationId xmlns:a16="http://schemas.microsoft.com/office/drawing/2014/main" id="{32202BD0-5216-B99A-52A2-BE9BF2B6F4E0}"/>
               </a:ext>
             </a:extLst>
           </p:cNvPr>
@@ -2661,7 +2661,7 @@
           <a:bodyPr/>
           <a:lstStyle/>
           <a:p>
-            <a:fld id="{2F4E9A6A-FF12-4BE1-ABCD-0A576B499661}" type="datetimeFigureOut">
+            <a:fld id="{B0D3FB19-8BFC-416A-9D95-5BF27EC0340C}" type="datetimeFigureOut">
               <a:rPr lang="zh-CN" altLang="en-US" smtClean="0"/>
               <a:t>2024/3/10</a:t>
             </a:fld>
@@ -2674,7 +2674,7 @@
           <p:cNvPr id="6" name="页脚占位符 5">
             <a:extLst>
               <a:ext uri="{FF2B5EF4-FFF2-40B4-BE49-F238E27FC236}">
-                <a16:creationId xmlns:a16="http://schemas.microsoft.com/office/drawing/2014/main" id="{AF3F4E71-0DC4-0774-7438-9B6C4DDBC4E3}"/>
+                <a16:creationId xmlns:a16="http://schemas.microsoft.com/office/drawing/2014/main" id="{D1014ABC-0E21-1EE3-EC3B-29D9B739DE84}"/>
               </a:ext>
             </a:extLst>
           </p:cNvPr>
@@ -2699,7 +2699,7 @@
           <p:cNvPr id="7" name="灯片编号占位符 6">
             <a:extLst>
               <a:ext uri="{FF2B5EF4-FFF2-40B4-BE49-F238E27FC236}">
-                <a16:creationId xmlns:a16="http://schemas.microsoft.com/office/drawing/2014/main" id="{75551D5C-1EC7-2FB5-AF6A-9FEB7ABAC81B}"/>
+                <a16:creationId xmlns:a16="http://schemas.microsoft.com/office/drawing/2014/main" id="{316B8997-2FF2-2E4A-4486-BB249EA69FC1}"/>
               </a:ext>
             </a:extLst>
           </p:cNvPr>
@@ -2715,7 +2715,7 @@
           <a:bodyPr/>
           <a:lstStyle/>
           <a:p>
-            <a:fld id="{38B8B2A7-57FC-49A7-A3E7-E3023B4B388B}" type="slidenum">
+            <a:fld id="{1CCCE4B5-2858-4F9E-B2A9-27192CC2B258}" type="slidenum">
               <a:rPr lang="zh-CN" altLang="en-US" smtClean="0"/>
               <a:t>‹#›</a:t>
             </a:fld>
@@ -2726,7 +2726,7 @@
     </p:spTree>
     <p:extLst>
       <p:ext uri="{BB962C8B-B14F-4D97-AF65-F5344CB8AC3E}">
-        <p14:creationId xmlns:p14="http://schemas.microsoft.com/office/powerpoint/2010/main" val="3134449184"/>
+        <p14:creationId xmlns:p14="http://schemas.microsoft.com/office/powerpoint/2010/main" val="282421548"/>
       </p:ext>
     </p:extLst>
   </p:cSld>
@@ -2763,7 +2763,7 @@
           <p:cNvPr id="2" name="标题占位符 1">
             <a:extLst>
               <a:ext uri="{FF2B5EF4-FFF2-40B4-BE49-F238E27FC236}">
-                <a16:creationId xmlns:a16="http://schemas.microsoft.com/office/drawing/2014/main" id="{44EE41AE-0BFB-4828-FDB6-BF856CDD62AD}"/>
+                <a16:creationId xmlns:a16="http://schemas.microsoft.com/office/drawing/2014/main" id="{35347BE2-B474-2518-A9E7-0F2199C89258}"/>
               </a:ext>
             </a:extLst>
           </p:cNvPr>
@@ -2801,7 +2801,7 @@
           <p:cNvPr id="3" name="文本占位符 2">
             <a:extLst>
               <a:ext uri="{FF2B5EF4-FFF2-40B4-BE49-F238E27FC236}">
-                <a16:creationId xmlns:a16="http://schemas.microsoft.com/office/drawing/2014/main" id="{CAD45FAC-0BF1-FEC3-131E-D93F5C91B1D5}"/>
+                <a16:creationId xmlns:a16="http://schemas.microsoft.com/office/drawing/2014/main" id="{41AA9CD8-1B0B-F8FF-41C4-55B07CBEA9A4}"/>
               </a:ext>
             </a:extLst>
           </p:cNvPr>
@@ -2868,7 +2868,7 @@
           <p:cNvPr id="4" name="日期占位符 3">
             <a:extLst>
               <a:ext uri="{FF2B5EF4-FFF2-40B4-BE49-F238E27FC236}">
-                <a16:creationId xmlns:a16="http://schemas.microsoft.com/office/drawing/2014/main" id="{943F4DBD-8608-660D-9A9B-C35CE989A538}"/>
+                <a16:creationId xmlns:a16="http://schemas.microsoft.com/office/drawing/2014/main" id="{FA26B0B9-A48D-89FA-636D-297E783A1C3D}"/>
               </a:ext>
             </a:extLst>
           </p:cNvPr>
@@ -2902,7 +2902,7 @@
             </a:lvl1pPr>
           </a:lstStyle>
           <a:p>
-            <a:fld id="{2F4E9A6A-FF12-4BE1-ABCD-0A576B499661}" type="datetimeFigureOut">
+            <a:fld id="{B0D3FB19-8BFC-416A-9D95-5BF27EC0340C}" type="datetimeFigureOut">
               <a:rPr lang="zh-CN" altLang="en-US" smtClean="0"/>
               <a:t>2024/3/10</a:t>
             </a:fld>
@@ -2915,7 +2915,7 @@
           <p:cNvPr id="5" name="页脚占位符 4">
             <a:extLst>
               <a:ext uri="{FF2B5EF4-FFF2-40B4-BE49-F238E27FC236}">
-                <a16:creationId xmlns:a16="http://schemas.microsoft.com/office/drawing/2014/main" id="{086B11B7-3DCC-FC5B-F505-72EEF7F7E574}"/>
+                <a16:creationId xmlns:a16="http://schemas.microsoft.com/office/drawing/2014/main" id="{C81C7254-7278-C571-FDDC-F3DCD98AE660}"/>
               </a:ext>
             </a:extLst>
           </p:cNvPr>
@@ -2958,7 +2958,7 @@
           <p:cNvPr id="6" name="灯片编号占位符 5">
             <a:extLst>
               <a:ext uri="{FF2B5EF4-FFF2-40B4-BE49-F238E27FC236}">
-                <a16:creationId xmlns:a16="http://schemas.microsoft.com/office/drawing/2014/main" id="{BD8E05D5-EA7A-717C-CA03-D0F0CAFD85DB}"/>
+                <a16:creationId xmlns:a16="http://schemas.microsoft.com/office/drawing/2014/main" id="{863F1EAE-59CA-79BC-A066-3623953241E5}"/>
               </a:ext>
             </a:extLst>
           </p:cNvPr>
@@ -2992,7 +2992,7 @@
             </a:lvl1pPr>
           </a:lstStyle>
           <a:p>
-            <a:fld id="{38B8B2A7-57FC-49A7-A3E7-E3023B4B388B}" type="slidenum">
+            <a:fld id="{1CCCE4B5-2858-4F9E-B2A9-27192CC2B258}" type="slidenum">
               <a:rPr lang="zh-CN" altLang="en-US" smtClean="0"/>
               <a:t>‹#›</a:t>
             </a:fld>
@@ -3003,7 +3003,7 @@
     </p:spTree>
     <p:extLst>
       <p:ext uri="{BB962C8B-B14F-4D97-AF65-F5344CB8AC3E}">
-        <p14:creationId xmlns:p14="http://schemas.microsoft.com/office/powerpoint/2010/main" val="688456024"/>
+        <p14:creationId xmlns:p14="http://schemas.microsoft.com/office/powerpoint/2010/main" val="3213231458"/>
       </p:ext>
     </p:extLst>
   </p:cSld>
@@ -3323,7 +3323,7 @@
       </p:grpSpPr>
       <p:pic>
         <p:nvPicPr>
-          <p:cNvPr id="1016834" name="Picture 2" descr="992"/>
+          <p:cNvPr id="1017858" name="Picture 2" descr="993"/>
           <p:cNvPicPr>
             <a:picLocks noChangeAspect="1" noChangeArrowheads="1"/>
           </p:cNvPicPr>
